--- a/meterials/slides/ch01-hibernate-architecture.pptx
+++ b/meterials/slides/ch01-hibernate-architecture.pptx
@@ -326,7 +326,7 @@
           <a:p>
             <a:fld id="{8C6DAAC4-3F4D-4BC2-99C2-C888EF35166D}" type="datetimeFigureOut">
               <a:rPr lang="zh-CN" altLang="en-US" smtClean="0"/>
-              <a:t>2017/9/5</a:t>
+              <a:t>2017/9/6</a:t>
             </a:fld>
             <a:endParaRPr lang="zh-CN" altLang="en-US"/>
           </a:p>
@@ -7965,7 +7965,7 @@
             </a:r>
             <a:r>
               <a:rPr lang="zh-CN" altLang="en-US" sz="3200" smtClean="0"/>
-              <a:t>关系；</a:t>
+              <a:t>关系。</a:t>
             </a:r>
             <a:endParaRPr lang="zh-CN" altLang="en-US" sz="3200"/>
           </a:p>
@@ -32230,7 +32230,6 @@
               <a:rPr lang="en-US" altLang="zh-CN" smtClean="0"/>
               <a:t>ORM</a:t>
             </a:r>
-            <a:endParaRPr lang="en-US" altLang="zh-CN" smtClean="0"/>
           </a:p>
           <a:p>
             <a:r>

--- a/meterials/slides/ch01-hibernate-architecture.pptx
+++ b/meterials/slides/ch01-hibernate-architecture.pptx
@@ -34,7 +34,7 @@
     <p:sldId id="462" r:id="rId22"/>
     <p:sldId id="463" r:id="rId23"/>
     <p:sldId id="465" r:id="rId24"/>
-    <p:sldId id="470" r:id="rId25"/>
+    <p:sldId id="479" r:id="rId25"/>
     <p:sldId id="467" r:id="rId26"/>
     <p:sldId id="468" r:id="rId27"/>
     <p:sldId id="446" r:id="rId28"/>
@@ -7064,6 +7064,30 @@
           <a:chExt cx="0" cy="0"/>
         </a:xfrm>
       </p:grpSpPr>
+      <p:pic>
+        <p:nvPicPr>
+          <p:cNvPr id="8" name="图片 7"/>
+          <p:cNvPicPr>
+            <a:picLocks noChangeAspect="1"/>
+          </p:cNvPicPr>
+          <p:nvPr/>
+        </p:nvPicPr>
+        <p:blipFill>
+          <a:blip r:embed="rId2"/>
+          <a:stretch>
+            <a:fillRect/>
+          </a:stretch>
+        </p:blipFill>
+        <p:spPr>
+          <a:xfrm>
+            <a:off x="3772172" y="1442344"/>
+            <a:ext cx="7579342" cy="4362919"/>
+          </a:xfrm>
+          <a:prstGeom prst="rect">
+            <a:avLst/>
+          </a:prstGeom>
+        </p:spPr>
+      </p:pic>
       <p:sp>
         <p:nvSpPr>
           <p:cNvPr id="2" name="标题 1"/>
@@ -7086,30 +7110,6 @@
           </a:p>
         </p:txBody>
       </p:sp>
-      <p:pic>
-        <p:nvPicPr>
-          <p:cNvPr id="3" name="图片 2"/>
-          <p:cNvPicPr>
-            <a:picLocks noChangeAspect="1"/>
-          </p:cNvPicPr>
-          <p:nvPr/>
-        </p:nvPicPr>
-        <p:blipFill>
-          <a:blip r:embed="rId2"/>
-          <a:stretch>
-            <a:fillRect/>
-          </a:stretch>
-        </p:blipFill>
-        <p:spPr>
-          <a:xfrm>
-            <a:off x="3772172" y="1524629"/>
-            <a:ext cx="7436396" cy="4280635"/>
-          </a:xfrm>
-          <a:prstGeom prst="rect">
-            <a:avLst/>
-          </a:prstGeom>
-        </p:spPr>
-      </p:pic>
       <p:sp>
         <p:nvSpPr>
           <p:cNvPr id="5" name="文本框 4"/>
@@ -10573,6 +10573,30 @@
           <a:chExt cx="0" cy="0"/>
         </a:xfrm>
       </p:grpSpPr>
+      <p:pic>
+        <p:nvPicPr>
+          <p:cNvPr id="8" name="图片 7"/>
+          <p:cNvPicPr>
+            <a:picLocks noChangeAspect="1"/>
+          </p:cNvPicPr>
+          <p:nvPr/>
+        </p:nvPicPr>
+        <p:blipFill>
+          <a:blip r:embed="rId2"/>
+          <a:stretch>
+            <a:fillRect/>
+          </a:stretch>
+        </p:blipFill>
+        <p:spPr>
+          <a:xfrm>
+            <a:off x="3772172" y="1442344"/>
+            <a:ext cx="7579342" cy="4362919"/>
+          </a:xfrm>
+          <a:prstGeom prst="rect">
+            <a:avLst/>
+          </a:prstGeom>
+        </p:spPr>
+      </p:pic>
       <p:sp>
         <p:nvSpPr>
           <p:cNvPr id="2" name="标题 1"/>
@@ -10595,30 +10619,6 @@
           </a:p>
         </p:txBody>
       </p:sp>
-      <p:pic>
-        <p:nvPicPr>
-          <p:cNvPr id="3" name="图片 2"/>
-          <p:cNvPicPr>
-            <a:picLocks noChangeAspect="1"/>
-          </p:cNvPicPr>
-          <p:nvPr/>
-        </p:nvPicPr>
-        <p:blipFill>
-          <a:blip r:embed="rId2"/>
-          <a:stretch>
-            <a:fillRect/>
-          </a:stretch>
-        </p:blipFill>
-        <p:spPr>
-          <a:xfrm>
-            <a:off x="3772172" y="1524629"/>
-            <a:ext cx="7436396" cy="4280635"/>
-          </a:xfrm>
-          <a:prstGeom prst="rect">
-            <a:avLst/>
-          </a:prstGeom>
-        </p:spPr>
-      </p:pic>
       <p:sp>
         <p:nvSpPr>
           <p:cNvPr id="5" name="文本框 4"/>
@@ -10694,7 +10694,7 @@
     </p:spTree>
     <p:extLst>
       <p:ext uri="{BB962C8B-B14F-4D97-AF65-F5344CB8AC3E}">
-        <p14:creationId xmlns:p14="http://schemas.microsoft.com/office/powerpoint/2010/main" val="1445168302"/>
+        <p14:creationId xmlns:p14="http://schemas.microsoft.com/office/powerpoint/2010/main" val="1516026556"/>
       </p:ext>
     </p:extLst>
   </p:cSld>
